--- a/Ultrasi prezentacja.pptx
+++ b/Ultrasi prezentacja.pptx
@@ -110,6 +110,11 @@
       </a:defRPr>
     </a:lvl9pPr>
   </p:defaultTextStyle>
+  <p:extLst>
+    <p:ext uri="{EFAFB233-063F-42B5-8137-9DF3F51BA10A}">
+      <p15:sldGuideLst xmlns:p15="http://schemas.microsoft.com/office/powerpoint/2012/main"/>
+    </p:ext>
+  </p:extLst>
 </p:presentation>
 </file>
 
@@ -3619,10 +3624,10 @@
       </p:pic>
       <p:pic>
         <p:nvPicPr>
-          <p:cNvPr id="6" name="Obraz 5">
+          <p:cNvPr id="7" name="Obraz 6">
             <a:extLst>
               <a:ext uri="{FF2B5EF4-FFF2-40B4-BE49-F238E27FC236}">
-                <a16:creationId xmlns:a16="http://schemas.microsoft.com/office/drawing/2014/main" id="{E4C7E1C9-8821-ACD8-3886-3395C5377D18}"/>
+                <a16:creationId xmlns:a16="http://schemas.microsoft.com/office/drawing/2014/main" id="{0A30E977-4BEA-41EE-BAD3-C4299DBCFDA4}"/>
               </a:ext>
             </a:extLst>
           </p:cNvPr>
@@ -3638,9 +3643,9 @@
           </a:stretch>
         </p:blipFill>
         <p:spPr>
-          <a:xfrm rot="943443">
-            <a:off x="8380355" y="3730069"/>
-            <a:ext cx="2838846" cy="2772162"/>
+          <a:xfrm rot="1158409">
+            <a:off x="8457308" y="3774247"/>
+            <a:ext cx="2743583" cy="2581635"/>
           </a:xfrm>
           <a:prstGeom prst="rect">
             <a:avLst/>
